--- a/project/group9.pptx
+++ b/project/group9.pptx
@@ -5,7 +5,7 @@
     <p:sldMasterId id="2147483652" r:id="rId1"/>
   </p:sldMasterIdLst>
   <p:notesMasterIdLst>
-    <p:notesMasterId r:id="rId28"/>
+    <p:notesMasterId r:id="rId31"/>
   </p:notesMasterIdLst>
   <p:sldIdLst>
     <p:sldId id="256" r:id="rId2"/>
@@ -26,31 +26,34 @@
     <p:sldId id="277" r:id="rId17"/>
     <p:sldId id="278" r:id="rId18"/>
     <p:sldId id="286" r:id="rId19"/>
-    <p:sldId id="285" r:id="rId20"/>
-    <p:sldId id="279" r:id="rId21"/>
-    <p:sldId id="276" r:id="rId22"/>
-    <p:sldId id="281" r:id="rId23"/>
-    <p:sldId id="280" r:id="rId24"/>
-    <p:sldId id="282" r:id="rId25"/>
-    <p:sldId id="283" r:id="rId26"/>
-    <p:sldId id="269" r:id="rId27"/>
+    <p:sldId id="289" r:id="rId20"/>
+    <p:sldId id="285" r:id="rId21"/>
+    <p:sldId id="279" r:id="rId22"/>
+    <p:sldId id="276" r:id="rId23"/>
+    <p:sldId id="281" r:id="rId24"/>
+    <p:sldId id="280" r:id="rId25"/>
+    <p:sldId id="282" r:id="rId26"/>
+    <p:sldId id="283" r:id="rId27"/>
+    <p:sldId id="288" r:id="rId28"/>
+    <p:sldId id="269" r:id="rId29"/>
+    <p:sldId id="290" r:id="rId30"/>
   </p:sldIdLst>
   <p:sldSz cx="9144000" cy="6858000" type="screen4x3"/>
   <p:notesSz cx="6858000" cy="9144000"/>
   <p:embeddedFontLst>
     <p:embeddedFont>
       <p:font typeface="Calibri" panose="020F0502020204030204" pitchFamily="34" charset="0"/>
-      <p:regular r:id="rId29"/>
-      <p:bold r:id="rId30"/>
-      <p:italic r:id="rId31"/>
-      <p:boldItalic r:id="rId32"/>
+      <p:regular r:id="rId32"/>
+      <p:bold r:id="rId33"/>
+      <p:italic r:id="rId34"/>
+      <p:boldItalic r:id="rId35"/>
     </p:embeddedFont>
     <p:embeddedFont>
       <p:font typeface="Corbel" panose="020B0503020204020204" pitchFamily="34" charset="0"/>
-      <p:regular r:id="rId33"/>
-      <p:bold r:id="rId34"/>
-      <p:italic r:id="rId35"/>
-      <p:boldItalic r:id="rId36"/>
+      <p:regular r:id="rId36"/>
+      <p:bold r:id="rId37"/>
+      <p:italic r:id="rId38"/>
+      <p:boldItalic r:id="rId39"/>
     </p:embeddedFont>
   </p:embeddedFontLst>
   <p:defaultTextStyle>
@@ -1545,7 +1548,7 @@
               </a:spcAft>
               <a:buNone/>
             </a:pPr>
-            <a:endParaRPr/>
+            <a:endParaRPr dirty="0"/>
           </a:p>
         </p:txBody>
       </p:sp>
@@ -5165,10 +5168,18 @@
               <a:buNone/>
             </a:pPr>
             <a:r>
-              <a:rPr lang="pt-PT" sz="3600"/>
-              <a:t>Embedded Systems</a:t>
-            </a:r>
-            <a:endParaRPr sz="3600"/>
+              <a:rPr lang="pt-PT" sz="3600" dirty="0" err="1"/>
+              <a:t>Embedded</a:t>
+            </a:r>
+            <a:r>
+              <a:rPr lang="pt-PT" sz="3600" dirty="0"/>
+              <a:t> </a:t>
+            </a:r>
+            <a:r>
+              <a:rPr lang="pt-PT" sz="3600" dirty="0" err="1"/>
+              <a:t>Systems</a:t>
+            </a:r>
+            <a:endParaRPr sz="3600" dirty="0"/>
           </a:p>
           <a:p>
             <a:pPr marL="0" lvl="0" indent="0" algn="r" rtl="0">
@@ -5185,7 +5196,7 @@
               <a:buFont typeface="Corbel"/>
               <a:buNone/>
             </a:pPr>
-            <a:endParaRPr sz="3600"/>
+            <a:endParaRPr sz="3600" dirty="0"/>
           </a:p>
         </p:txBody>
       </p:sp>
@@ -5276,8 +5287,8 @@
         </p:nvSpPr>
         <p:spPr>
           <a:xfrm>
-            <a:off x="1107129" y="5301207"/>
-            <a:ext cx="7648944" cy="865187"/>
+            <a:off x="1125601" y="5301207"/>
+            <a:ext cx="7577814" cy="865187"/>
           </a:xfrm>
           <a:prstGeom prst="rect">
             <a:avLst/>
@@ -5538,7 +5549,7 @@
         </p:blipFill>
         <p:spPr>
           <a:xfrm>
-            <a:off x="1295127" y="2890029"/>
+            <a:off x="1313599" y="2890029"/>
             <a:ext cx="7597353" cy="2088371"/>
           </a:xfrm>
           <a:prstGeom prst="rect">
@@ -5659,7 +5670,7 @@
         </p:blipFill>
         <p:spPr>
           <a:xfrm>
-            <a:off x="1360004" y="2447156"/>
+            <a:off x="1369240" y="2447156"/>
             <a:ext cx="7467600" cy="2971800"/>
           </a:xfrm>
           <a:prstGeom prst="rect">
@@ -6219,18 +6230,6 @@
           </a:bodyPr>
           <a:lstStyle/>
           <a:p>
-            <a:r>
-              <a:rPr lang="pt-PT" sz="2400" dirty="0" err="1"/>
-              <a:t>Sequence</a:t>
-            </a:r>
-            <a:r>
-              <a:rPr lang="pt-PT" sz="2400" dirty="0"/>
-              <a:t> </a:t>
-            </a:r>
-            <a:r>
-              <a:rPr lang="pt-PT" sz="2400" dirty="0" err="1"/>
-              <a:t>Diagram</a:t>
-            </a:r>
             <a:endParaRPr lang="pt-PT" sz="2400" dirty="0"/>
           </a:p>
         </p:txBody>
@@ -6253,13 +6252,31 @@
         </p:nvSpPr>
         <p:spPr/>
         <p:txBody>
-          <a:bodyPr/>
+          <a:bodyPr>
+            <a:normAutofit/>
+          </a:bodyPr>
           <a:lstStyle/>
           <a:p>
             <a:r>
               <a:rPr lang="pt-PT" dirty="0"/>
-              <a:t>Base Station</a:t>
-            </a:r>
+              <a:t>Base Station:</a:t>
+            </a:r>
+            <a:br>
+              <a:rPr lang="pt-PT" dirty="0"/>
+            </a:br>
+            <a:r>
+              <a:rPr lang="pt-PT" sz="3600" dirty="0" err="1"/>
+              <a:t>Sequence</a:t>
+            </a:r>
+            <a:r>
+              <a:rPr lang="pt-PT" sz="3600" dirty="0"/>
+              <a:t> </a:t>
+            </a:r>
+            <a:r>
+              <a:rPr lang="pt-PT" sz="3600" dirty="0" err="1"/>
+              <a:t>Diagram</a:t>
+            </a:r>
+            <a:endParaRPr lang="pt-PT" dirty="0"/>
           </a:p>
         </p:txBody>
       </p:sp>
@@ -6285,7 +6302,7 @@
         </p:blipFill>
         <p:spPr>
           <a:xfrm>
-            <a:off x="4331855" y="1313060"/>
+            <a:off x="2710821" y="1340769"/>
             <a:ext cx="4765965" cy="5517231"/>
           </a:xfrm>
           <a:prstGeom prst="rect">
@@ -6346,18 +6363,9 @@
           </a:bodyPr>
           <a:lstStyle/>
           <a:p>
-            <a:r>
-              <a:rPr lang="pt-PT" sz="2400" dirty="0" err="1"/>
-              <a:t>Sequence</a:t>
-            </a:r>
-            <a:r>
-              <a:rPr lang="pt-PT" sz="2400" dirty="0"/>
-              <a:t> </a:t>
-            </a:r>
-            <a:r>
-              <a:rPr lang="pt-PT" sz="2400" dirty="0" err="1"/>
-              <a:t>Diagram</a:t>
-            </a:r>
+            <a:pPr marL="114300" indent="0">
+              <a:buNone/>
+            </a:pPr>
             <a:endParaRPr lang="pt-PT" sz="2400" dirty="0"/>
           </a:p>
         </p:txBody>
@@ -6380,7 +6388,9 @@
         </p:nvSpPr>
         <p:spPr/>
         <p:txBody>
-          <a:bodyPr/>
+          <a:bodyPr>
+            <a:normAutofit/>
+          </a:bodyPr>
           <a:lstStyle/>
           <a:p>
             <a:r>
@@ -6390,6 +6400,25 @@
             <a:r>
               <a:rPr lang="pt-PT" dirty="0" err="1"/>
               <a:t>System</a:t>
+            </a:r>
+            <a:r>
+              <a:rPr lang="pt-PT" dirty="0"/>
+              <a:t>:</a:t>
+            </a:r>
+            <a:br>
+              <a:rPr lang="pt-PT" dirty="0"/>
+            </a:br>
+            <a:r>
+              <a:rPr lang="pt-PT" sz="3600" dirty="0" err="1"/>
+              <a:t>Sequence</a:t>
+            </a:r>
+            <a:r>
+              <a:rPr lang="pt-PT" sz="3600" dirty="0"/>
+              <a:t> </a:t>
+            </a:r>
+            <a:r>
+              <a:rPr lang="pt-PT" sz="3600" dirty="0" err="1"/>
+              <a:t>Diagram</a:t>
             </a:r>
             <a:endParaRPr lang="pt-PT" dirty="0"/>
           </a:p>
@@ -6417,8 +6446,8 @@
         </p:blipFill>
         <p:spPr>
           <a:xfrm>
-            <a:off x="4064002" y="1731717"/>
-            <a:ext cx="5043054" cy="5098573"/>
+            <a:off x="2365227" y="1340767"/>
+            <a:ext cx="5457154" cy="5517232"/>
           </a:xfrm>
           <a:prstGeom prst="rect">
             <a:avLst/>
@@ -6532,7 +6561,7 @@
           <p:cNvPr id="2" name="Marcador de Posição do Texto 1">
             <a:extLst>
               <a:ext uri="{FF2B5EF4-FFF2-40B4-BE49-F238E27FC236}">
-                <a16:creationId xmlns:a16="http://schemas.microsoft.com/office/drawing/2014/main" id="{6822FE38-0A30-4F41-AE6E-47A4CB9531F2}"/>
+                <a16:creationId xmlns:a16="http://schemas.microsoft.com/office/drawing/2014/main" id="{69C4E143-7C83-4AF6-8901-D1D102BE8953}"/>
               </a:ext>
             </a:extLst>
           </p:cNvPr>
@@ -6548,18 +6577,6 @@
           <a:bodyPr/>
           <a:lstStyle/>
           <a:p>
-            <a:r>
-              <a:rPr lang="pt-PT" dirty="0" err="1"/>
-              <a:t>System</a:t>
-            </a:r>
-            <a:r>
-              <a:rPr lang="pt-PT" dirty="0"/>
-              <a:t> </a:t>
-            </a:r>
-            <a:r>
-              <a:rPr lang="pt-PT" dirty="0" err="1"/>
-              <a:t>Events</a:t>
-            </a:r>
             <a:endParaRPr lang="pt-PT" dirty="0"/>
           </a:p>
         </p:txBody>
@@ -6569,7 +6586,7 @@
           <p:cNvPr id="3" name="Título 2">
             <a:extLst>
               <a:ext uri="{FF2B5EF4-FFF2-40B4-BE49-F238E27FC236}">
-                <a16:creationId xmlns:a16="http://schemas.microsoft.com/office/drawing/2014/main" id="{0FD50791-C39A-4A4D-8862-63BAF8CE64FD}"/>
+                <a16:creationId xmlns:a16="http://schemas.microsoft.com/office/drawing/2014/main" id="{380AAFD6-AF04-4787-B8B9-E741F8D99261}"/>
               </a:ext>
             </a:extLst>
           </p:cNvPr>
@@ -6582,33 +6599,23 @@
         </p:nvSpPr>
         <p:spPr/>
         <p:txBody>
-          <a:bodyPr>
-            <a:normAutofit/>
-          </a:bodyPr>
+          <a:bodyPr/>
           <a:lstStyle/>
           <a:p>
             <a:r>
-              <a:rPr lang="pt-PT" sz="3200" dirty="0" err="1"/>
-              <a:t>Remote</a:t>
-            </a:r>
-            <a:r>
-              <a:rPr lang="pt-PT" sz="3200" dirty="0"/>
-              <a:t> </a:t>
-            </a:r>
-            <a:r>
-              <a:rPr lang="pt-PT" sz="3200" dirty="0" err="1"/>
-              <a:t>System</a:t>
-            </a:r>
-            <a:endParaRPr lang="pt-PT" sz="3200" dirty="0"/>
+              <a:rPr lang="pt-PT" dirty="0" err="1"/>
+              <a:t>Database</a:t>
+            </a:r>
+            <a:endParaRPr lang="pt-PT" dirty="0"/>
           </a:p>
         </p:txBody>
       </p:sp>
       <p:pic>
         <p:nvPicPr>
-          <p:cNvPr id="6" name="Imagem 5" descr="Uma imagem com mesa&#10;&#10;Descrição gerada automaticamente">
+          <p:cNvPr id="5" name="Imagem 4">
             <a:extLst>
               <a:ext uri="{FF2B5EF4-FFF2-40B4-BE49-F238E27FC236}">
-                <a16:creationId xmlns:a16="http://schemas.microsoft.com/office/drawing/2014/main" id="{36909EA5-1AB0-4610-AAD4-EF4BEDDF2110}"/>
+                <a16:creationId xmlns:a16="http://schemas.microsoft.com/office/drawing/2014/main" id="{489F3E99-BA25-4ABC-87E5-E67D8CBCD7C0}"/>
               </a:ext>
             </a:extLst>
           </p:cNvPr>
@@ -6625,8 +6632,8 @@
         </p:blipFill>
         <p:spPr>
           <a:xfrm>
-            <a:off x="1175056" y="2656648"/>
-            <a:ext cx="7848872" cy="2435857"/>
+            <a:off x="1295128" y="2179601"/>
+            <a:ext cx="7597352" cy="3137526"/>
           </a:xfrm>
           <a:prstGeom prst="rect">
             <a:avLst/>
@@ -6636,7 +6643,7 @@
     </p:spTree>
     <p:extLst>
       <p:ext uri="{BB962C8B-B14F-4D97-AF65-F5344CB8AC3E}">
-        <p14:creationId xmlns:p14="http://schemas.microsoft.com/office/powerpoint/2010/main" val="3999266996"/>
+        <p14:creationId xmlns:p14="http://schemas.microsoft.com/office/powerpoint/2010/main" val="3373295083"/>
       </p:ext>
     </p:extLst>
   </p:cSld>
@@ -7087,12 +7094,16 @@
           <a:lstStyle/>
           <a:p>
             <a:r>
+              <a:rPr lang="pt-PT" dirty="0" err="1"/>
+              <a:t>System</a:t>
+            </a:r>
+            <a:r>
               <a:rPr lang="pt-PT" dirty="0"/>
-              <a:t>Use Cases </a:t>
+              <a:t> </a:t>
             </a:r>
             <a:r>
               <a:rPr lang="pt-PT" dirty="0" err="1"/>
-              <a:t>Diagram</a:t>
+              <a:t>Events</a:t>
             </a:r>
             <a:endParaRPr lang="pt-PT" dirty="0"/>
           </a:p>
@@ -7133,27 +7144,16 @@
               <a:rPr lang="pt-PT" sz="3200" dirty="0" err="1"/>
               <a:t>System</a:t>
             </a:r>
-            <a:r>
-              <a:rPr lang="pt-PT" sz="3200" dirty="0"/>
-              <a:t>:</a:t>
-            </a:r>
-            <a:br>
-              <a:rPr lang="pt-PT" sz="3200" dirty="0"/>
-            </a:br>
-            <a:r>
-              <a:rPr lang="pt-PT" sz="3200" dirty="0" err="1"/>
-              <a:t>Application</a:t>
-            </a:r>
             <a:endParaRPr lang="pt-PT" sz="3200" dirty="0"/>
           </a:p>
         </p:txBody>
       </p:sp>
       <p:pic>
         <p:nvPicPr>
-          <p:cNvPr id="5" name="Imagem 4">
+          <p:cNvPr id="6" name="Imagem 5" descr="Uma imagem com mesa&#10;&#10;Descrição gerada automaticamente">
             <a:extLst>
               <a:ext uri="{FF2B5EF4-FFF2-40B4-BE49-F238E27FC236}">
-                <a16:creationId xmlns:a16="http://schemas.microsoft.com/office/drawing/2014/main" id="{E00E049C-03A9-4AB8-B600-654DAD39D35F}"/>
+                <a16:creationId xmlns:a16="http://schemas.microsoft.com/office/drawing/2014/main" id="{36909EA5-1AB0-4610-AAD4-EF4BEDDF2110}"/>
               </a:ext>
             </a:extLst>
           </p:cNvPr>
@@ -7170,8 +7170,8 @@
         </p:blipFill>
         <p:spPr>
           <a:xfrm>
-            <a:off x="1919707" y="2041237"/>
-            <a:ext cx="6774453" cy="4333297"/>
+            <a:off x="1175056" y="2656648"/>
+            <a:ext cx="7848872" cy="2435857"/>
           </a:xfrm>
           <a:prstGeom prst="rect">
             <a:avLst/>
@@ -7181,7 +7181,7 @@
     </p:spTree>
     <p:extLst>
       <p:ext uri="{BB962C8B-B14F-4D97-AF65-F5344CB8AC3E}">
-        <p14:creationId xmlns:p14="http://schemas.microsoft.com/office/powerpoint/2010/main" val="294985998"/>
+        <p14:creationId xmlns:p14="http://schemas.microsoft.com/office/powerpoint/2010/main" val="3999266996"/>
       </p:ext>
     </p:extLst>
   </p:cSld>
@@ -7230,16 +7230,12 @@
           <a:lstStyle/>
           <a:p>
             <a:r>
+              <a:rPr lang="pt-PT" dirty="0"/>
+              <a:t>Use Cases </a:t>
+            </a:r>
+            <a:r>
               <a:rPr lang="pt-PT" dirty="0" err="1"/>
-              <a:t>State</a:t>
-            </a:r>
-            <a:r>
-              <a:rPr lang="pt-PT" dirty="0"/>
-              <a:t> </a:t>
-            </a:r>
-            <a:r>
-              <a:rPr lang="pt-PT" dirty="0" err="1"/>
-              <a:t>Chart</a:t>
+              <a:t>Diagram</a:t>
             </a:r>
             <a:endParaRPr lang="pt-PT" dirty="0"/>
           </a:p>
@@ -7263,42 +7259,44 @@
         </p:nvSpPr>
         <p:spPr/>
         <p:txBody>
-          <a:bodyPr/>
+          <a:bodyPr>
+            <a:normAutofit/>
+          </a:bodyPr>
           <a:lstStyle/>
           <a:p>
             <a:r>
-              <a:rPr lang="pt-PT" sz="3600" dirty="0" err="1"/>
+              <a:rPr lang="pt-PT" sz="3200" dirty="0" err="1"/>
               <a:t>Remote</a:t>
             </a:r>
             <a:r>
-              <a:rPr lang="pt-PT" sz="3600" dirty="0"/>
+              <a:rPr lang="pt-PT" sz="3200" dirty="0"/>
               <a:t> </a:t>
             </a:r>
             <a:r>
-              <a:rPr lang="pt-PT" sz="3600" dirty="0" err="1"/>
+              <a:rPr lang="pt-PT" sz="3200" dirty="0" err="1"/>
               <a:t>System</a:t>
             </a:r>
             <a:r>
-              <a:rPr lang="pt-PT" sz="3600" dirty="0"/>
+              <a:rPr lang="pt-PT" sz="3200" dirty="0"/>
               <a:t>:</a:t>
             </a:r>
             <a:br>
-              <a:rPr lang="pt-PT" sz="3600" dirty="0"/>
+              <a:rPr lang="pt-PT" sz="3200" dirty="0"/>
             </a:br>
             <a:r>
-              <a:rPr lang="pt-PT" sz="3600" dirty="0" err="1"/>
+              <a:rPr lang="pt-PT" sz="3200" dirty="0" err="1"/>
               <a:t>Application</a:t>
             </a:r>
-            <a:endParaRPr lang="pt-PT" dirty="0"/>
+            <a:endParaRPr lang="pt-PT" sz="3200" dirty="0"/>
           </a:p>
         </p:txBody>
       </p:sp>
       <p:pic>
         <p:nvPicPr>
-          <p:cNvPr id="6" name="Imagem 5">
+          <p:cNvPr id="5" name="Imagem 4">
             <a:extLst>
               <a:ext uri="{FF2B5EF4-FFF2-40B4-BE49-F238E27FC236}">
-                <a16:creationId xmlns:a16="http://schemas.microsoft.com/office/drawing/2014/main" id="{821CDE49-89A1-41EB-9AA6-9373721EFEFD}"/>
+                <a16:creationId xmlns:a16="http://schemas.microsoft.com/office/drawing/2014/main" id="{E00E049C-03A9-4AB8-B600-654DAD39D35F}"/>
               </a:ext>
             </a:extLst>
           </p:cNvPr>
@@ -7315,8 +7313,8 @@
         </p:blipFill>
         <p:spPr>
           <a:xfrm>
-            <a:off x="2483768" y="1824057"/>
-            <a:ext cx="5365104" cy="4845302"/>
+            <a:off x="1919707" y="2041237"/>
+            <a:ext cx="6774453" cy="4333297"/>
           </a:xfrm>
           <a:prstGeom prst="rect">
             <a:avLst/>
@@ -7326,7 +7324,7 @@
     </p:spTree>
     <p:extLst>
       <p:ext uri="{BB962C8B-B14F-4D97-AF65-F5344CB8AC3E}">
-        <p14:creationId xmlns:p14="http://schemas.microsoft.com/office/powerpoint/2010/main" val="1973259800"/>
+        <p14:creationId xmlns:p14="http://schemas.microsoft.com/office/powerpoint/2010/main" val="294985998"/>
       </p:ext>
     </p:extLst>
   </p:cSld>
@@ -7376,7 +7374,7 @@
           <a:p>
             <a:r>
               <a:rPr lang="pt-PT" dirty="0" err="1"/>
-              <a:t>Sequence</a:t>
+              <a:t>State</a:t>
             </a:r>
             <a:r>
               <a:rPr lang="pt-PT" dirty="0"/>
@@ -7384,7 +7382,7 @@
             </a:r>
             <a:r>
               <a:rPr lang="pt-PT" dirty="0" err="1"/>
-              <a:t>Diagram</a:t>
+              <a:t>Chart</a:t>
             </a:r>
             <a:endParaRPr lang="pt-PT" dirty="0"/>
           </a:p>
@@ -7440,10 +7438,10 @@
       </p:sp>
       <p:pic>
         <p:nvPicPr>
-          <p:cNvPr id="5" name="Imagem 4">
+          <p:cNvPr id="6" name="Imagem 5">
             <a:extLst>
               <a:ext uri="{FF2B5EF4-FFF2-40B4-BE49-F238E27FC236}">
-                <a16:creationId xmlns:a16="http://schemas.microsoft.com/office/drawing/2014/main" id="{CB02BE41-1B29-495E-884A-D1B24D4D18D9}"/>
+                <a16:creationId xmlns:a16="http://schemas.microsoft.com/office/drawing/2014/main" id="{821CDE49-89A1-41EB-9AA6-9373721EFEFD}"/>
               </a:ext>
             </a:extLst>
           </p:cNvPr>
@@ -7460,8 +7458,8 @@
         </p:blipFill>
         <p:spPr>
           <a:xfrm>
-            <a:off x="5268749" y="1196753"/>
-            <a:ext cx="3791078" cy="5661246"/>
+            <a:off x="2483768" y="1824057"/>
+            <a:ext cx="5365104" cy="4845302"/>
           </a:xfrm>
           <a:prstGeom prst="rect">
             <a:avLst/>
@@ -7471,7 +7469,7 @@
     </p:spTree>
     <p:extLst>
       <p:ext uri="{BB962C8B-B14F-4D97-AF65-F5344CB8AC3E}">
-        <p14:creationId xmlns:p14="http://schemas.microsoft.com/office/powerpoint/2010/main" val="2613125397"/>
+        <p14:creationId xmlns:p14="http://schemas.microsoft.com/office/powerpoint/2010/main" val="1973259800"/>
       </p:ext>
     </p:extLst>
   </p:cSld>
@@ -7519,14 +7517,9 @@
           <a:bodyPr/>
           <a:lstStyle/>
           <a:p>
-            <a:r>
-              <a:rPr lang="pt-PT" dirty="0"/>
-              <a:t>Use Cases </a:t>
-            </a:r>
-            <a:r>
-              <a:rPr lang="pt-PT" dirty="0" err="1"/>
-              <a:t>Diagram</a:t>
-            </a:r>
+            <a:pPr marL="114300" indent="0">
+              <a:buNone/>
+            </a:pPr>
             <a:endParaRPr lang="pt-PT" dirty="0"/>
           </a:p>
         </p:txBody>
@@ -7555,28 +7548,45 @@
           <a:lstStyle/>
           <a:p>
             <a:r>
-              <a:rPr lang="pt-PT" sz="3200" dirty="0" err="1"/>
+              <a:rPr lang="pt-PT" sz="3600" dirty="0" err="1"/>
               <a:t>Remote</a:t>
             </a:r>
             <a:r>
-              <a:rPr lang="pt-PT" sz="3200" dirty="0"/>
+              <a:rPr lang="pt-PT" sz="3600" dirty="0"/>
               <a:t> </a:t>
             </a:r>
             <a:r>
-              <a:rPr lang="pt-PT" sz="3200" dirty="0" err="1"/>
+              <a:rPr lang="pt-PT" sz="3600" dirty="0" err="1"/>
               <a:t>System</a:t>
             </a:r>
             <a:r>
-              <a:rPr lang="pt-PT" sz="3200" dirty="0"/>
+              <a:rPr lang="pt-PT" sz="3600" dirty="0"/>
               <a:t>:</a:t>
             </a:r>
             <a:br>
-              <a:rPr lang="pt-PT" sz="3200" dirty="0"/>
+              <a:rPr lang="pt-PT" sz="3600" dirty="0"/>
             </a:br>
             <a:r>
-              <a:rPr lang="pt-PT" sz="3200" dirty="0"/>
-              <a:t>Web Site</a:t>
-            </a:r>
+              <a:rPr lang="pt-PT" sz="2700" dirty="0" err="1"/>
+              <a:t>Application</a:t>
+            </a:r>
+            <a:r>
+              <a:rPr lang="pt-PT" sz="2700" dirty="0"/>
+              <a:t> </a:t>
+            </a:r>
+            <a:r>
+              <a:rPr lang="pt-PT" sz="2700" dirty="0" err="1"/>
+              <a:t>Sequence</a:t>
+            </a:r>
+            <a:r>
+              <a:rPr lang="pt-PT" sz="2700" dirty="0"/>
+              <a:t> </a:t>
+            </a:r>
+            <a:r>
+              <a:rPr lang="pt-PT" sz="2700" dirty="0" err="1"/>
+              <a:t>Diagram</a:t>
+            </a:r>
+            <a:endParaRPr lang="pt-PT" dirty="0"/>
           </a:p>
         </p:txBody>
       </p:sp>
@@ -7585,7 +7595,7 @@
           <p:cNvPr id="5" name="Imagem 4">
             <a:extLst>
               <a:ext uri="{FF2B5EF4-FFF2-40B4-BE49-F238E27FC236}">
-                <a16:creationId xmlns:a16="http://schemas.microsoft.com/office/drawing/2014/main" id="{E00E049C-03A9-4AB8-B600-654DAD39D35F}"/>
+                <a16:creationId xmlns:a16="http://schemas.microsoft.com/office/drawing/2014/main" id="{CB02BE41-1B29-495E-884A-D1B24D4D18D9}"/>
               </a:ext>
             </a:extLst>
           </p:cNvPr>
@@ -7602,8 +7612,8 @@
         </p:blipFill>
         <p:spPr>
           <a:xfrm>
-            <a:off x="1919707" y="2041237"/>
-            <a:ext cx="6774453" cy="4333297"/>
+            <a:off x="2928489" y="1196753"/>
+            <a:ext cx="3791078" cy="5661246"/>
           </a:xfrm>
           <a:prstGeom prst="rect">
             <a:avLst/>
@@ -7613,7 +7623,7 @@
     </p:spTree>
     <p:extLst>
       <p:ext uri="{BB962C8B-B14F-4D97-AF65-F5344CB8AC3E}">
-        <p14:creationId xmlns:p14="http://schemas.microsoft.com/office/powerpoint/2010/main" val="358263943"/>
+        <p14:creationId xmlns:p14="http://schemas.microsoft.com/office/powerpoint/2010/main" val="2613125397"/>
       </p:ext>
     </p:extLst>
   </p:cSld>
@@ -7662,16 +7672,12 @@
           <a:lstStyle/>
           <a:p>
             <a:r>
+              <a:rPr lang="pt-PT" dirty="0"/>
+              <a:t>Use Cases </a:t>
+            </a:r>
+            <a:r>
               <a:rPr lang="pt-PT" dirty="0" err="1"/>
-              <a:t>State</a:t>
-            </a:r>
-            <a:r>
-              <a:rPr lang="pt-PT" dirty="0"/>
-              <a:t> </a:t>
-            </a:r>
-            <a:r>
-              <a:rPr lang="pt-PT" dirty="0" err="1"/>
-              <a:t>Chart</a:t>
+              <a:t>Diagram</a:t>
             </a:r>
             <a:endParaRPr lang="pt-PT" dirty="0"/>
           </a:p>
@@ -7728,10 +7734,10 @@
       </p:sp>
       <p:pic>
         <p:nvPicPr>
-          <p:cNvPr id="6" name="Imagem 5">
+          <p:cNvPr id="5" name="Imagem 4">
             <a:extLst>
               <a:ext uri="{FF2B5EF4-FFF2-40B4-BE49-F238E27FC236}">
-                <a16:creationId xmlns:a16="http://schemas.microsoft.com/office/drawing/2014/main" id="{3925B90F-1C0A-40A6-9DC4-815A1BBE93EE}"/>
+                <a16:creationId xmlns:a16="http://schemas.microsoft.com/office/drawing/2014/main" id="{E00E049C-03A9-4AB8-B600-654DAD39D35F}"/>
               </a:ext>
             </a:extLst>
           </p:cNvPr>
@@ -7748,8 +7754,8 @@
         </p:blipFill>
         <p:spPr>
           <a:xfrm>
-            <a:off x="4145684" y="1447031"/>
-            <a:ext cx="4362450" cy="4972050"/>
+            <a:off x="1919707" y="2041237"/>
+            <a:ext cx="6774453" cy="4333297"/>
           </a:xfrm>
           <a:prstGeom prst="rect">
             <a:avLst/>
@@ -7759,7 +7765,7 @@
     </p:spTree>
     <p:extLst>
       <p:ext uri="{BB962C8B-B14F-4D97-AF65-F5344CB8AC3E}">
-        <p14:creationId xmlns:p14="http://schemas.microsoft.com/office/powerpoint/2010/main" val="23725907"/>
+        <p14:creationId xmlns:p14="http://schemas.microsoft.com/office/powerpoint/2010/main" val="358263943"/>
       </p:ext>
     </p:extLst>
   </p:cSld>
@@ -7809,6 +7815,152 @@
           <a:p>
             <a:r>
               <a:rPr lang="pt-PT" dirty="0" err="1"/>
+              <a:t>State</a:t>
+            </a:r>
+            <a:r>
+              <a:rPr lang="pt-PT" dirty="0"/>
+              <a:t> </a:t>
+            </a:r>
+            <a:r>
+              <a:rPr lang="pt-PT" dirty="0" err="1"/>
+              <a:t>Chart</a:t>
+            </a:r>
+            <a:endParaRPr lang="pt-PT" dirty="0"/>
+          </a:p>
+        </p:txBody>
+      </p:sp>
+      <p:sp>
+        <p:nvSpPr>
+          <p:cNvPr id="3" name="Título 2">
+            <a:extLst>
+              <a:ext uri="{FF2B5EF4-FFF2-40B4-BE49-F238E27FC236}">
+                <a16:creationId xmlns:a16="http://schemas.microsoft.com/office/drawing/2014/main" id="{0FD50791-C39A-4A4D-8862-63BAF8CE64FD}"/>
+              </a:ext>
+            </a:extLst>
+          </p:cNvPr>
+          <p:cNvSpPr>
+            <a:spLocks noGrp="1"/>
+          </p:cNvSpPr>
+          <p:nvPr>
+            <p:ph type="title"/>
+          </p:nvPr>
+        </p:nvSpPr>
+        <p:spPr/>
+        <p:txBody>
+          <a:bodyPr>
+            <a:normAutofit/>
+          </a:bodyPr>
+          <a:lstStyle/>
+          <a:p>
+            <a:r>
+              <a:rPr lang="pt-PT" sz="3200" dirty="0" err="1"/>
+              <a:t>Remote</a:t>
+            </a:r>
+            <a:r>
+              <a:rPr lang="pt-PT" sz="3200" dirty="0"/>
+              <a:t> </a:t>
+            </a:r>
+            <a:r>
+              <a:rPr lang="pt-PT" sz="3200" dirty="0" err="1"/>
+              <a:t>System</a:t>
+            </a:r>
+            <a:r>
+              <a:rPr lang="pt-PT" sz="3200" dirty="0"/>
+              <a:t>:</a:t>
+            </a:r>
+            <a:br>
+              <a:rPr lang="pt-PT" sz="3200" dirty="0"/>
+            </a:br>
+            <a:r>
+              <a:rPr lang="pt-PT" sz="3200" dirty="0"/>
+              <a:t>Web Site</a:t>
+            </a:r>
+          </a:p>
+        </p:txBody>
+      </p:sp>
+      <p:pic>
+        <p:nvPicPr>
+          <p:cNvPr id="6" name="Imagem 5">
+            <a:extLst>
+              <a:ext uri="{FF2B5EF4-FFF2-40B4-BE49-F238E27FC236}">
+                <a16:creationId xmlns:a16="http://schemas.microsoft.com/office/drawing/2014/main" id="{3925B90F-1C0A-40A6-9DC4-815A1BBE93EE}"/>
+              </a:ext>
+            </a:extLst>
+          </p:cNvPr>
+          <p:cNvPicPr>
+            <a:picLocks noChangeAspect="1"/>
+          </p:cNvPicPr>
+          <p:nvPr/>
+        </p:nvPicPr>
+        <p:blipFill>
+          <a:blip r:embed="rId2"/>
+          <a:stretch>
+            <a:fillRect/>
+          </a:stretch>
+        </p:blipFill>
+        <p:spPr>
+          <a:xfrm>
+            <a:off x="2773816" y="1851936"/>
+            <a:ext cx="4100423" cy="4673408"/>
+          </a:xfrm>
+          <a:prstGeom prst="rect">
+            <a:avLst/>
+          </a:prstGeom>
+        </p:spPr>
+      </p:pic>
+    </p:spTree>
+    <p:extLst>
+      <p:ext uri="{BB962C8B-B14F-4D97-AF65-F5344CB8AC3E}">
+        <p14:creationId xmlns:p14="http://schemas.microsoft.com/office/powerpoint/2010/main" val="23725907"/>
+      </p:ext>
+    </p:extLst>
+  </p:cSld>
+  <p:clrMapOvr>
+    <a:masterClrMapping/>
+  </p:clrMapOvr>
+</p:sld>
+</file>
+
+<file path=ppt/slides/slide26.xml><?xml version="1.0" encoding="utf-8"?>
+<p:sld xmlns:a="http://schemas.openxmlformats.org/drawingml/2006/main" xmlns:r="http://schemas.openxmlformats.org/officeDocument/2006/relationships" xmlns:p="http://schemas.openxmlformats.org/presentationml/2006/main">
+  <p:cSld>
+    <p:spTree>
+      <p:nvGrpSpPr>
+        <p:cNvPr id="1" name=""/>
+        <p:cNvGrpSpPr/>
+        <p:nvPr/>
+      </p:nvGrpSpPr>
+      <p:grpSpPr>
+        <a:xfrm>
+          <a:off x="0" y="0"/>
+          <a:ext cx="0" cy="0"/>
+          <a:chOff x="0" y="0"/>
+          <a:chExt cx="0" cy="0"/>
+        </a:xfrm>
+      </p:grpSpPr>
+      <p:sp>
+        <p:nvSpPr>
+          <p:cNvPr id="2" name="Marcador de Posição do Texto 1">
+            <a:extLst>
+              <a:ext uri="{FF2B5EF4-FFF2-40B4-BE49-F238E27FC236}">
+                <a16:creationId xmlns:a16="http://schemas.microsoft.com/office/drawing/2014/main" id="{6822FE38-0A30-4F41-AE6E-47A4CB9531F2}"/>
+              </a:ext>
+            </a:extLst>
+          </p:cNvPr>
+          <p:cNvSpPr>
+            <a:spLocks noGrp="1"/>
+          </p:cNvSpPr>
+          <p:nvPr>
+            <p:ph type="body" idx="1"/>
+          </p:nvPr>
+        </p:nvSpPr>
+        <p:spPr/>
+        <p:txBody>
+          <a:bodyPr/>
+          <a:lstStyle/>
+          <a:p>
+            <a:r>
+              <a:rPr lang="pt-PT" dirty="0" err="1"/>
               <a:t>Sequence</a:t>
             </a:r>
             <a:r>
@@ -7915,7 +8067,124 @@
 </p:sld>
 </file>
 
-<file path=ppt/slides/slide26.xml><?xml version="1.0" encoding="utf-8"?>
+<file path=ppt/slides/slide27.xml><?xml version="1.0" encoding="utf-8"?>
+<p:sld xmlns:a="http://schemas.openxmlformats.org/drawingml/2006/main" xmlns:r="http://schemas.openxmlformats.org/officeDocument/2006/relationships" xmlns:p="http://schemas.openxmlformats.org/presentationml/2006/main">
+  <p:cSld>
+    <p:spTree>
+      <p:nvGrpSpPr>
+        <p:cNvPr id="1" name=""/>
+        <p:cNvGrpSpPr/>
+        <p:nvPr/>
+      </p:nvGrpSpPr>
+      <p:grpSpPr>
+        <a:xfrm>
+          <a:off x="0" y="0"/>
+          <a:ext cx="0" cy="0"/>
+          <a:chOff x="0" y="0"/>
+          <a:chExt cx="0" cy="0"/>
+        </a:xfrm>
+      </p:grpSpPr>
+      <p:sp>
+        <p:nvSpPr>
+          <p:cNvPr id="2" name="Marcador de Posição do Texto 1">
+            <a:extLst>
+              <a:ext uri="{FF2B5EF4-FFF2-40B4-BE49-F238E27FC236}">
+                <a16:creationId xmlns:a16="http://schemas.microsoft.com/office/drawing/2014/main" id="{C2F73C53-560B-4A79-9676-FB489CD5859F}"/>
+              </a:ext>
+            </a:extLst>
+          </p:cNvPr>
+          <p:cNvSpPr>
+            <a:spLocks noGrp="1"/>
+          </p:cNvSpPr>
+          <p:nvPr>
+            <p:ph type="body" idx="1"/>
+          </p:nvPr>
+        </p:nvSpPr>
+        <p:spPr/>
+        <p:txBody>
+          <a:bodyPr/>
+          <a:lstStyle/>
+          <a:p>
+            <a:endParaRPr lang="pt-PT" dirty="0"/>
+          </a:p>
+        </p:txBody>
+      </p:sp>
+      <p:sp>
+        <p:nvSpPr>
+          <p:cNvPr id="3" name="Título 2">
+            <a:extLst>
+              <a:ext uri="{FF2B5EF4-FFF2-40B4-BE49-F238E27FC236}">
+                <a16:creationId xmlns:a16="http://schemas.microsoft.com/office/drawing/2014/main" id="{1835C554-168B-45DC-931B-A2A40A2C0AD4}"/>
+              </a:ext>
+            </a:extLst>
+          </p:cNvPr>
+          <p:cNvSpPr>
+            <a:spLocks noGrp="1"/>
+          </p:cNvSpPr>
+          <p:nvPr>
+            <p:ph type="title"/>
+          </p:nvPr>
+        </p:nvSpPr>
+        <p:spPr/>
+        <p:txBody>
+          <a:bodyPr/>
+          <a:lstStyle/>
+          <a:p>
+            <a:r>
+              <a:rPr lang="pt-PT" dirty="0" err="1"/>
+              <a:t>Estimated</a:t>
+            </a:r>
+            <a:r>
+              <a:rPr lang="pt-PT" dirty="0"/>
+              <a:t> Budget</a:t>
+            </a:r>
+          </a:p>
+        </p:txBody>
+      </p:sp>
+      <p:pic>
+        <p:nvPicPr>
+          <p:cNvPr id="7" name="Imagem 6" descr="Uma imagem com mesa&#10;&#10;Descrição gerada automaticamente">
+            <a:extLst>
+              <a:ext uri="{FF2B5EF4-FFF2-40B4-BE49-F238E27FC236}">
+                <a16:creationId xmlns:a16="http://schemas.microsoft.com/office/drawing/2014/main" id="{BA63D5E5-B979-40AB-BA81-96510BE50DBA}"/>
+              </a:ext>
+            </a:extLst>
+          </p:cNvPr>
+          <p:cNvPicPr>
+            <a:picLocks noChangeAspect="1"/>
+          </p:cNvPicPr>
+          <p:nvPr/>
+        </p:nvPicPr>
+        <p:blipFill>
+          <a:blip r:embed="rId2"/>
+          <a:stretch>
+            <a:fillRect/>
+          </a:stretch>
+        </p:blipFill>
+        <p:spPr>
+          <a:xfrm>
+            <a:off x="2040925" y="1802586"/>
+            <a:ext cx="6105547" cy="4256468"/>
+          </a:xfrm>
+          <a:prstGeom prst="rect">
+            <a:avLst/>
+          </a:prstGeom>
+        </p:spPr>
+      </p:pic>
+    </p:spTree>
+    <p:extLst>
+      <p:ext uri="{BB962C8B-B14F-4D97-AF65-F5344CB8AC3E}">
+        <p14:creationId xmlns:p14="http://schemas.microsoft.com/office/powerpoint/2010/main" val="4121200179"/>
+      </p:ext>
+    </p:extLst>
+  </p:cSld>
+  <p:clrMapOvr>
+    <a:masterClrMapping/>
+  </p:clrMapOvr>
+</p:sld>
+</file>
+
+<file path=ppt/slides/slide28.xml><?xml version="1.0" encoding="utf-8"?>
 <p:sld xmlns:a="http://schemas.openxmlformats.org/drawingml/2006/main" xmlns:r="http://schemas.openxmlformats.org/officeDocument/2006/relationships" xmlns:p="http://schemas.openxmlformats.org/presentationml/2006/main">
   <p:cSld>
     <p:spTree>
@@ -7975,7 +8244,7 @@
               <a:buFont typeface="Corbel"/>
               <a:buNone/>
             </a:pPr>
-            <a:endParaRPr/>
+            <a:endParaRPr dirty="0"/>
           </a:p>
         </p:txBody>
       </p:sp>
@@ -8032,32 +8301,103 @@
       </p:sp>
       <p:pic>
         <p:nvPicPr>
-          <p:cNvPr id="129" name="Google Shape;129;p19"/>
-          <p:cNvPicPr preferRelativeResize="0"/>
+          <p:cNvPr id="3" name="Imagem 2">
+            <a:extLst>
+              <a:ext uri="{FF2B5EF4-FFF2-40B4-BE49-F238E27FC236}">
+                <a16:creationId xmlns:a16="http://schemas.microsoft.com/office/drawing/2014/main" id="{907FD9E1-DC5F-46B4-88E5-B5799E4126FC}"/>
+              </a:ext>
+            </a:extLst>
+          </p:cNvPr>
+          <p:cNvPicPr>
+            <a:picLocks noChangeAspect="1"/>
+          </p:cNvPicPr>
           <p:nvPr/>
         </p:nvPicPr>
-        <p:blipFill rotWithShape="1">
-          <a:blip r:embed="rId3">
-            <a:alphaModFix/>
-          </a:blip>
-          <a:srcRect/>
-          <a:stretch/>
+        <p:blipFill>
+          <a:blip r:embed="rId3"/>
+          <a:stretch>
+            <a:fillRect/>
+          </a:stretch>
         </p:blipFill>
         <p:spPr>
           <a:xfrm>
-            <a:off x="1118537" y="1988840"/>
-            <a:ext cx="8025463" cy="3962662"/>
+            <a:off x="1120836" y="1874300"/>
+            <a:ext cx="8023164" cy="4203228"/>
           </a:xfrm>
           <a:prstGeom prst="rect">
             <a:avLst/>
           </a:prstGeom>
-          <a:noFill/>
-          <a:ln>
-            <a:noFill/>
-          </a:ln>
         </p:spPr>
       </p:pic>
     </p:spTree>
+  </p:cSld>
+  <p:clrMapOvr>
+    <a:masterClrMapping/>
+  </p:clrMapOvr>
+</p:sld>
+</file>
+
+<file path=ppt/slides/slide29.xml><?xml version="1.0" encoding="utf-8"?>
+<p:sld xmlns:a="http://schemas.openxmlformats.org/drawingml/2006/main" xmlns:r="http://schemas.openxmlformats.org/officeDocument/2006/relationships" xmlns:p="http://schemas.openxmlformats.org/presentationml/2006/main">
+  <p:cSld>
+    <p:spTree>
+      <p:nvGrpSpPr>
+        <p:cNvPr id="1" name=""/>
+        <p:cNvGrpSpPr/>
+        <p:nvPr/>
+      </p:nvGrpSpPr>
+      <p:grpSpPr>
+        <a:xfrm>
+          <a:off x="0" y="0"/>
+          <a:ext cx="0" cy="0"/>
+          <a:chOff x="0" y="0"/>
+          <a:chExt cx="0" cy="0"/>
+        </a:xfrm>
+      </p:grpSpPr>
+      <p:sp>
+        <p:nvSpPr>
+          <p:cNvPr id="3" name="Título 2">
+            <a:extLst>
+              <a:ext uri="{FF2B5EF4-FFF2-40B4-BE49-F238E27FC236}">
+                <a16:creationId xmlns:a16="http://schemas.microsoft.com/office/drawing/2014/main" id="{A07F483E-E9E6-451E-8974-F365D0B917AB}"/>
+              </a:ext>
+            </a:extLst>
+          </p:cNvPr>
+          <p:cNvSpPr>
+            <a:spLocks noGrp="1"/>
+          </p:cNvSpPr>
+          <p:nvPr>
+            <p:ph type="title"/>
+          </p:nvPr>
+        </p:nvSpPr>
+        <p:spPr>
+          <a:xfrm>
+            <a:off x="2878286" y="3392055"/>
+            <a:ext cx="4680520" cy="1196752"/>
+          </a:xfrm>
+        </p:spPr>
+        <p:txBody>
+          <a:bodyPr/>
+          <a:lstStyle/>
+          <a:p>
+            <a:pPr algn="ctr"/>
+            <a:r>
+              <a:rPr lang="pt-PT" dirty="0" err="1"/>
+              <a:t>Questions</a:t>
+            </a:r>
+            <a:r>
+              <a:rPr lang="pt-PT" dirty="0"/>
+              <a:t>?</a:t>
+            </a:r>
+          </a:p>
+        </p:txBody>
+      </p:sp>
+    </p:spTree>
+    <p:extLst>
+      <p:ext uri="{BB962C8B-B14F-4D97-AF65-F5344CB8AC3E}">
+        <p14:creationId xmlns:p14="http://schemas.microsoft.com/office/powerpoint/2010/main" val="2628689398"/>
+      </p:ext>
+    </p:extLst>
   </p:cSld>
   <p:clrMapOvr>
     <a:masterClrMapping/>
@@ -8126,14 +8466,14 @@
               <a:buChar char="•"/>
             </a:pPr>
             <a:r>
-              <a:rPr lang="pt-PT" sz="2400" dirty="0" err="1"/>
+              <a:rPr lang="pt-PT" sz="2000" dirty="0" err="1"/>
               <a:t>Energy</a:t>
             </a:r>
             <a:r>
-              <a:rPr lang="pt-PT" sz="2400" dirty="0"/>
+              <a:rPr lang="pt-PT" sz="2000" dirty="0"/>
               <a:t> Crisis</a:t>
             </a:r>
-            <a:endParaRPr sz="2400" dirty="0"/>
+            <a:endParaRPr sz="2000" dirty="0"/>
           </a:p>
           <a:p>
             <a:pPr marL="342900" lvl="0" indent="-342900" algn="l" rtl="0">
@@ -8151,68 +8491,68 @@
               <a:buChar char="•"/>
             </a:pPr>
             <a:r>
-              <a:rPr lang="pt-PT" sz="2400" dirty="0"/>
+              <a:rPr lang="pt-PT" sz="2000" dirty="0"/>
               <a:t>63,3 % </a:t>
             </a:r>
             <a:r>
-              <a:rPr lang="pt-PT" sz="2400" dirty="0" err="1"/>
+              <a:rPr lang="pt-PT" sz="2000" dirty="0" err="1"/>
               <a:t>of</a:t>
             </a:r>
             <a:r>
-              <a:rPr lang="pt-PT" sz="2400" dirty="0"/>
+              <a:rPr lang="pt-PT" sz="2000" dirty="0"/>
               <a:t> </a:t>
             </a:r>
             <a:r>
-              <a:rPr lang="pt-PT" sz="2400" dirty="0" err="1"/>
+              <a:rPr lang="pt-PT" sz="2000" dirty="0" err="1"/>
               <a:t>electrical</a:t>
             </a:r>
             <a:r>
-              <a:rPr lang="pt-PT" sz="2400" dirty="0"/>
+              <a:rPr lang="pt-PT" sz="2000" dirty="0"/>
               <a:t> </a:t>
             </a:r>
             <a:r>
-              <a:rPr lang="pt-PT" sz="2400" dirty="0" err="1"/>
+              <a:rPr lang="pt-PT" sz="2000" dirty="0" err="1"/>
               <a:t>energy</a:t>
             </a:r>
             <a:r>
-              <a:rPr lang="pt-PT" sz="2400" dirty="0"/>
+              <a:rPr lang="pt-PT" sz="2000" dirty="0"/>
               <a:t> </a:t>
             </a:r>
             <a:r>
-              <a:rPr lang="pt-PT" sz="2400" dirty="0" err="1"/>
+              <a:rPr lang="pt-PT" sz="2000" dirty="0" err="1"/>
               <a:t>production</a:t>
             </a:r>
             <a:r>
-              <a:rPr lang="pt-PT" sz="2400" dirty="0"/>
+              <a:rPr lang="pt-PT" sz="2000" dirty="0"/>
               <a:t> comes </a:t>
             </a:r>
             <a:r>
-              <a:rPr lang="pt-PT" sz="2400" dirty="0" err="1"/>
+              <a:rPr lang="pt-PT" sz="2000" dirty="0" err="1"/>
               <a:t>from</a:t>
             </a:r>
             <a:r>
-              <a:rPr lang="pt-PT" sz="2400" dirty="0"/>
+              <a:rPr lang="pt-PT" sz="2000" dirty="0"/>
               <a:t> </a:t>
             </a:r>
             <a:r>
-              <a:rPr lang="pt-PT" sz="2400" dirty="0" err="1"/>
+              <a:rPr lang="pt-PT" sz="2000" dirty="0" err="1"/>
               <a:t>fossil</a:t>
             </a:r>
             <a:r>
-              <a:rPr lang="pt-PT" sz="2400" dirty="0"/>
+              <a:rPr lang="pt-PT" sz="2000" dirty="0"/>
               <a:t> </a:t>
             </a:r>
             <a:r>
-              <a:rPr lang="pt-PT" sz="2400" dirty="0" err="1"/>
+              <a:rPr lang="pt-PT" sz="2000" dirty="0" err="1"/>
               <a:t>fuels</a:t>
             </a:r>
             <a:r>
-              <a:rPr lang="pt-PT" sz="2400" dirty="0"/>
+              <a:rPr lang="pt-PT" sz="2000" dirty="0"/>
               <a:t>.</a:t>
             </a:r>
           </a:p>
           <a:p>
-            <a:pPr marL="342900" lvl="0" indent="-342900" rtl="0">
+            <a:pPr marL="342900" lvl="0" indent="-342900" algn="l" rtl="0">
               <a:spcBef>
                 <a:spcPts val="0"/>
               </a:spcBef>
@@ -8227,8 +8567,48 @@
               <a:buChar char="•"/>
             </a:pPr>
             <a:r>
-              <a:rPr lang="en-US" sz="2400" dirty="0"/>
-              <a:t>An average car is parked 95 % of the time.</a:t>
+              <a:rPr lang="en-US" sz="2000" dirty="0"/>
+              <a:t>Street lamps:</a:t>
+            </a:r>
+          </a:p>
+          <a:p>
+            <a:pPr marL="742950" lvl="1" indent="-285750" algn="l" rtl="0">
+              <a:spcBef>
+                <a:spcPts val="0"/>
+              </a:spcBef>
+              <a:spcAft>
+                <a:spcPts val="0"/>
+              </a:spcAft>
+              <a:buClr>
+                <a:srgbClr val="00A2D3"/>
+              </a:buClr>
+              <a:buSzPts val="2400"/>
+              <a:buFont typeface="Corbel"/>
+              <a:buChar char="–"/>
+            </a:pPr>
+            <a:r>
+              <a:rPr lang="en-US" sz="1800" dirty="0"/>
+              <a:t>Huge energy consumption</a:t>
+            </a:r>
+          </a:p>
+          <a:p>
+            <a:pPr marL="742950" lvl="1" indent="-285750" algn="l" rtl="0">
+              <a:spcBef>
+                <a:spcPts val="0"/>
+              </a:spcBef>
+              <a:spcAft>
+                <a:spcPts val="0"/>
+              </a:spcAft>
+              <a:buClr>
+                <a:srgbClr val="00A2D3"/>
+              </a:buClr>
+              <a:buSzPts val="2400"/>
+              <a:buFont typeface="Corbel"/>
+              <a:buChar char="–"/>
+            </a:pPr>
+            <a:r>
+              <a:rPr lang="en-US" sz="1800" dirty="0"/>
+              <a:t>Contribute to light pollution</a:t>
             </a:r>
           </a:p>
           <a:p>
@@ -8247,13 +8627,12 @@
               <a:buChar char="•"/>
             </a:pPr>
             <a:r>
-              <a:rPr lang="en-US" sz="2400" dirty="0"/>
-              <a:t>Looking for parking spots increases the carbon dioxide production and fuel and energy consumption</a:t>
-            </a:r>
-            <a:endParaRPr sz="2400" dirty="0"/>
-          </a:p>
-          <a:p>
-            <a:pPr marL="342900" lvl="0" indent="-342900" algn="l" rtl="0">
+              <a:rPr lang="en-US" sz="2000" dirty="0"/>
+              <a:t>An average car is parked 95 % of the time.</a:t>
+            </a:r>
+          </a:p>
+          <a:p>
+            <a:pPr marL="342900" lvl="0" indent="-342900" rtl="0">
               <a:spcBef>
                 <a:spcPts val="0"/>
               </a:spcBef>
@@ -8268,84 +8647,10 @@
               <a:buChar char="•"/>
             </a:pPr>
             <a:r>
-              <a:rPr lang="pt-PT" dirty="0"/>
-              <a:t>Street </a:t>
-            </a:r>
-            <a:r>
-              <a:rPr lang="pt-PT" dirty="0" err="1"/>
-              <a:t>lamps</a:t>
-            </a:r>
-            <a:r>
-              <a:rPr lang="pt-PT" dirty="0"/>
-              <a:t>:</a:t>
-            </a:r>
-            <a:endParaRPr dirty="0"/>
-          </a:p>
-          <a:p>
-            <a:pPr marL="742950" lvl="1" indent="-285750" algn="l" rtl="0">
-              <a:spcBef>
-                <a:spcPts val="0"/>
-              </a:spcBef>
-              <a:spcAft>
-                <a:spcPts val="0"/>
-              </a:spcAft>
-              <a:buClr>
-                <a:srgbClr val="00A2D3"/>
-              </a:buClr>
-              <a:buSzPts val="2400"/>
-              <a:buFont typeface="Corbel"/>
-              <a:buChar char="–"/>
-            </a:pPr>
-            <a:r>
-              <a:rPr lang="pt-PT" dirty="0" err="1"/>
-              <a:t>Huge</a:t>
-            </a:r>
-            <a:r>
-              <a:rPr lang="pt-PT" dirty="0"/>
-              <a:t> </a:t>
-            </a:r>
-            <a:r>
-              <a:rPr lang="pt-PT" dirty="0" err="1"/>
-              <a:t>energy</a:t>
-            </a:r>
-            <a:r>
-              <a:rPr lang="pt-PT" dirty="0"/>
-              <a:t> </a:t>
-            </a:r>
-            <a:r>
-              <a:rPr lang="pt-PT" dirty="0" err="1"/>
-              <a:t>consumption</a:t>
-            </a:r>
-            <a:endParaRPr dirty="0"/>
-          </a:p>
-          <a:p>
-            <a:pPr marL="742950" lvl="1" indent="-285750" algn="l" rtl="0">
-              <a:spcBef>
-                <a:spcPts val="0"/>
-              </a:spcBef>
-              <a:spcAft>
-                <a:spcPts val="0"/>
-              </a:spcAft>
-              <a:buClr>
-                <a:srgbClr val="00A2D3"/>
-              </a:buClr>
-              <a:buSzPts val="2400"/>
-              <a:buFont typeface="Corbel"/>
-              <a:buChar char="–"/>
-            </a:pPr>
-            <a:r>
-              <a:rPr lang="pt-PT" dirty="0" err="1"/>
-              <a:t>Contribute</a:t>
-            </a:r>
-            <a:r>
-              <a:rPr lang="pt-PT" dirty="0"/>
-              <a:t> to light </a:t>
-            </a:r>
-            <a:r>
-              <a:rPr lang="pt-PT" dirty="0" err="1"/>
-              <a:t>pollution</a:t>
-            </a:r>
-            <a:endParaRPr dirty="0"/>
+              <a:rPr lang="en-US" sz="2000" dirty="0"/>
+              <a:t>Looking for parking spots increases the carbon dioxide production and fuel and energy consumption</a:t>
+            </a:r>
+            <a:endParaRPr sz="2000" dirty="0"/>
           </a:p>
           <a:p>
             <a:pPr marL="342900" lvl="0" indent="-165100" algn="l" rtl="0">
@@ -8419,103 +8724,62 @@
       </p:sp>
       <p:pic>
         <p:nvPicPr>
-          <p:cNvPr id="54" name="Google Shape;54;p8">
-            <a:hlinkClick r:id="rId3"/>
+          <p:cNvPr id="5" name="Imagem 4">
+            <a:extLst>
+              <a:ext uri="{FF2B5EF4-FFF2-40B4-BE49-F238E27FC236}">
+                <a16:creationId xmlns:a16="http://schemas.microsoft.com/office/drawing/2014/main" id="{F3A93C17-CFD5-497E-823D-017CE4BFECAC}"/>
+              </a:ext>
+            </a:extLst>
           </p:cNvPr>
-          <p:cNvPicPr preferRelativeResize="0"/>
+          <p:cNvPicPr>
+            <a:picLocks noChangeAspect="1"/>
+          </p:cNvPicPr>
           <p:nvPr/>
         </p:nvPicPr>
         <p:blipFill rotWithShape="1">
-          <a:blip r:embed="rId4">
-            <a:alphaModFix/>
-          </a:blip>
-          <a:srcRect t="15127" b="6946"/>
+          <a:blip r:embed="rId3"/>
+          <a:srcRect l="11616" t="3577" r="12424"/>
           <a:stretch/>
         </p:blipFill>
         <p:spPr>
           <a:xfrm>
-            <a:off x="3419872" y="4270410"/>
-            <a:ext cx="5472608" cy="2254934"/>
+            <a:off x="1165824" y="3851564"/>
+            <a:ext cx="3789382" cy="3006435"/>
           </a:xfrm>
           <a:prstGeom prst="rect">
             <a:avLst/>
           </a:prstGeom>
-          <a:noFill/>
-          <a:ln>
-            <a:noFill/>
-          </a:ln>
         </p:spPr>
       </p:pic>
-      <p:sp>
-        <p:nvSpPr>
-          <p:cNvPr id="55" name="Google Shape;55;p8"/>
-          <p:cNvSpPr txBox="1"/>
+      <p:pic>
+        <p:nvPicPr>
+          <p:cNvPr id="7" name="Imagem 6">
+            <a:extLst>
+              <a:ext uri="{FF2B5EF4-FFF2-40B4-BE49-F238E27FC236}">
+                <a16:creationId xmlns:a16="http://schemas.microsoft.com/office/drawing/2014/main" id="{30A7A1AE-2E72-425A-A273-3C7CC74A4809}"/>
+              </a:ext>
+            </a:extLst>
+          </p:cNvPr>
+          <p:cNvPicPr>
+            <a:picLocks noChangeAspect="1"/>
+          </p:cNvPicPr>
           <p:nvPr/>
-        </p:nvSpPr>
+        </p:nvPicPr>
+        <p:blipFill rotWithShape="1">
+          <a:blip r:embed="rId4"/>
+          <a:srcRect l="5879" t="1410" r="5515" b="2903"/>
+          <a:stretch/>
+        </p:blipFill>
         <p:spPr>
           <a:xfrm>
-            <a:off x="3347864" y="6538554"/>
-            <a:ext cx="5472608" cy="261610"/>
+            <a:off x="5084568" y="4053124"/>
+            <a:ext cx="3965309" cy="2692399"/>
           </a:xfrm>
           <a:prstGeom prst="rect">
             <a:avLst/>
           </a:prstGeom>
-          <a:noFill/>
-          <a:ln>
-            <a:noFill/>
-          </a:ln>
         </p:spPr>
-        <p:txBody>
-          <a:bodyPr spcFirstLastPara="1" wrap="square" lIns="91425" tIns="45700" rIns="91425" bIns="45700" anchor="t" anchorCtr="0">
-            <a:spAutoFit/>
-          </a:bodyPr>
-          <a:lstStyle/>
-          <a:p>
-            <a:pPr marL="0" marR="0" lvl="0" indent="0" algn="l" rtl="0">
-              <a:spcBef>
-                <a:spcPts val="0"/>
-              </a:spcBef>
-              <a:spcAft>
-                <a:spcPts val="0"/>
-              </a:spcAft>
-              <a:buNone/>
-            </a:pPr>
-            <a:r>
-              <a:rPr lang="pt-PT" sz="1050">
-                <a:solidFill>
-                  <a:schemeClr val="dk1"/>
-                </a:solidFill>
-                <a:latin typeface="Corbel"/>
-                <a:ea typeface="Corbel"/>
-                <a:cs typeface="Corbel"/>
-                <a:sym typeface="Corbel"/>
-              </a:rPr>
-              <a:t>World Energy Production by Source, </a:t>
-            </a:r>
-            <a:r>
-              <a:rPr lang="pt-PT" sz="1050" i="1">
-                <a:solidFill>
-                  <a:schemeClr val="dk1"/>
-                </a:solidFill>
-                <a:latin typeface="Corbel"/>
-                <a:ea typeface="Corbel"/>
-                <a:cs typeface="Corbel"/>
-                <a:sym typeface="Corbel"/>
-              </a:rPr>
-              <a:t>Our World in Data</a:t>
-            </a:r>
-            <a:endParaRPr sz="1050">
-              <a:solidFill>
-                <a:schemeClr val="dk1"/>
-              </a:solidFill>
-              <a:latin typeface="Corbel"/>
-              <a:ea typeface="Corbel"/>
-              <a:cs typeface="Corbel"/>
-              <a:sym typeface="Corbel"/>
-            </a:endParaRPr>
-          </a:p>
-        </p:txBody>
-      </p:sp>
+      </p:pic>
     </p:spTree>
   </p:cSld>
   <p:clrMapOvr>
@@ -8566,7 +8830,7 @@
         </p:spPr>
         <p:txBody>
           <a:bodyPr spcFirstLastPara="1" wrap="square" lIns="91425" tIns="45700" rIns="91425" bIns="45700" anchor="t" anchorCtr="0">
-            <a:normAutofit/>
+            <a:normAutofit lnSpcReduction="10000"/>
           </a:bodyPr>
           <a:lstStyle/>
           <a:p>
@@ -8728,7 +8992,7 @@
             </a:pPr>
             <a:r>
               <a:rPr lang="pt-PT" dirty="0" err="1"/>
-              <a:t>Knows</a:t>
+              <a:t>Detect</a:t>
             </a:r>
             <a:r>
               <a:rPr lang="pt-PT" dirty="0"/>
@@ -8736,7 +9000,7 @@
             </a:r>
             <a:r>
               <a:rPr lang="pt-PT" dirty="0" err="1"/>
-              <a:t>if</a:t>
+              <a:t>lamp</a:t>
             </a:r>
             <a:r>
               <a:rPr lang="pt-PT" dirty="0"/>
@@ -8744,55 +9008,7 @@
             </a:r>
             <a:r>
               <a:rPr lang="pt-PT" dirty="0" err="1"/>
-              <a:t>the</a:t>
-            </a:r>
-            <a:r>
-              <a:rPr lang="pt-PT" dirty="0"/>
-              <a:t> </a:t>
-            </a:r>
-            <a:r>
-              <a:rPr lang="pt-PT" dirty="0" err="1"/>
-              <a:t>lamp</a:t>
-            </a:r>
-            <a:r>
-              <a:rPr lang="pt-PT" dirty="0"/>
-              <a:t> </a:t>
-            </a:r>
-            <a:r>
-              <a:rPr lang="pt-PT" dirty="0" err="1"/>
-              <a:t>is</a:t>
-            </a:r>
-            <a:r>
-              <a:rPr lang="pt-PT" dirty="0"/>
-              <a:t> </a:t>
-            </a:r>
-            <a:r>
-              <a:rPr lang="pt-PT" dirty="0" err="1"/>
-              <a:t>working</a:t>
-            </a:r>
-            <a:r>
-              <a:rPr lang="pt-PT" dirty="0"/>
-              <a:t> </a:t>
-            </a:r>
-            <a:r>
-              <a:rPr lang="pt-PT" dirty="0" err="1"/>
-              <a:t>when</a:t>
-            </a:r>
-            <a:r>
-              <a:rPr lang="pt-PT" dirty="0"/>
-              <a:t> </a:t>
-            </a:r>
-            <a:r>
-              <a:rPr lang="pt-PT" dirty="0" err="1"/>
-              <a:t>it</a:t>
-            </a:r>
-            <a:r>
-              <a:rPr lang="pt-PT" dirty="0"/>
-              <a:t> </a:t>
-            </a:r>
-            <a:r>
-              <a:rPr lang="pt-PT" dirty="0" err="1"/>
-              <a:t>should</a:t>
+              <a:t>failure</a:t>
             </a:r>
             <a:endParaRPr lang="pt-PT" dirty="0"/>
           </a:p>
@@ -8813,7 +9029,7 @@
             </a:pPr>
             <a:r>
               <a:rPr lang="pt-PT" dirty="0" err="1"/>
-              <a:t>Finds</a:t>
+              <a:t>Communicates</a:t>
             </a:r>
             <a:r>
               <a:rPr lang="pt-PT" dirty="0"/>
@@ -8821,11 +9037,40 @@
             </a:r>
             <a:r>
               <a:rPr lang="pt-PT" dirty="0" err="1"/>
-              <a:t>empty</a:t>
+              <a:t>wirelessly</a:t>
             </a:r>
             <a:r>
               <a:rPr lang="pt-PT" dirty="0"/>
-              <a:t> parking spots</a:t>
+              <a:t> </a:t>
+            </a:r>
+            <a:r>
+              <a:rPr lang="pt-PT" dirty="0" err="1"/>
+              <a:t>with</a:t>
+            </a:r>
+            <a:r>
+              <a:rPr lang="pt-PT" dirty="0"/>
+              <a:t> a base station</a:t>
+            </a:r>
+            <a:endParaRPr dirty="0"/>
+          </a:p>
+          <a:p>
+            <a:pPr marL="342900" lvl="0" indent="-342900" algn="l" rtl="0">
+              <a:spcBef>
+                <a:spcPts val="0"/>
+              </a:spcBef>
+              <a:spcAft>
+                <a:spcPts val="0"/>
+              </a:spcAft>
+              <a:buClr>
+                <a:srgbClr val="373E48"/>
+              </a:buClr>
+              <a:buSzPts val="2800"/>
+              <a:buFont typeface="Corbel"/>
+              <a:buChar char="•"/>
+            </a:pPr>
+            <a:r>
+              <a:rPr lang="pt-PT" dirty="0"/>
+              <a:t>Base Station:</a:t>
             </a:r>
             <a:endParaRPr dirty="0"/>
           </a:p>
@@ -8846,7 +9091,7 @@
             </a:pPr>
             <a:r>
               <a:rPr lang="pt-PT" dirty="0" err="1"/>
-              <a:t>Communicates</a:t>
+              <a:t>An</a:t>
             </a:r>
             <a:r>
               <a:rPr lang="pt-PT" dirty="0"/>
@@ -8854,11 +9099,27 @@
             </a:r>
             <a:r>
               <a:rPr lang="pt-PT" dirty="0" err="1"/>
-              <a:t>wirelessly</a:t>
+              <a:t>inteligent</a:t>
             </a:r>
             <a:r>
               <a:rPr lang="pt-PT" dirty="0"/>
-              <a:t> to </a:t>
+              <a:t> street pole </a:t>
+            </a:r>
+            <a:r>
+              <a:rPr lang="pt-PT" dirty="0" err="1"/>
+              <a:t>that</a:t>
+            </a:r>
+            <a:r>
+              <a:rPr lang="pt-PT" dirty="0"/>
+              <a:t> </a:t>
+            </a:r>
+            <a:r>
+              <a:rPr lang="pt-PT" dirty="0" err="1"/>
+              <a:t>controls</a:t>
+            </a:r>
+            <a:r>
+              <a:rPr lang="pt-PT" dirty="0"/>
+              <a:t> </a:t>
             </a:r>
             <a:r>
               <a:rPr lang="pt-PT" dirty="0" err="1"/>
@@ -8866,11 +9127,11 @@
             </a:r>
             <a:r>
               <a:rPr lang="pt-PT" dirty="0"/>
-              <a:t> </a:t>
+              <a:t> network </a:t>
             </a:r>
             <a:r>
               <a:rPr lang="pt-PT" dirty="0" err="1"/>
-              <a:t>monitoring</a:t>
+              <a:t>of</a:t>
             </a:r>
             <a:r>
               <a:rPr lang="pt-PT" dirty="0"/>
@@ -8878,28 +9139,25 @@
             </a:r>
             <a:r>
               <a:rPr lang="pt-PT" dirty="0" err="1"/>
-              <a:t>device</a:t>
-            </a:r>
-            <a:endParaRPr dirty="0"/>
-          </a:p>
-          <a:p>
-            <a:pPr marL="342900" lvl="0" indent="-342900" algn="l" rtl="0">
-              <a:spcBef>
-                <a:spcPts val="0"/>
-              </a:spcBef>
-              <a:spcAft>
-                <a:spcPts val="0"/>
-              </a:spcAft>
-              <a:buClr>
-                <a:srgbClr val="373E48"/>
-              </a:buClr>
-              <a:buSzPts val="2800"/>
-              <a:buFont typeface="Corbel"/>
-              <a:buChar char="•"/>
+              <a:t>smart</a:t>
+            </a:r>
+            <a:r>
+              <a:rPr lang="pt-PT" dirty="0"/>
+              <a:t> street </a:t>
+            </a:r>
+            <a:r>
+              <a:rPr lang="pt-PT" dirty="0" err="1"/>
+              <a:t>lamps</a:t>
+            </a:r>
+            <a:endParaRPr lang="pt-PT" dirty="0"/>
+          </a:p>
+          <a:p>
+            <a:pPr marL="742950" lvl="1" indent="-285750">
+              <a:buSzPts val="2400"/>
             </a:pPr>
             <a:r>
               <a:rPr lang="pt-PT" dirty="0" err="1"/>
-              <a:t>Monitoring</a:t>
+              <a:t>Finds</a:t>
             </a:r>
             <a:r>
               <a:rPr lang="pt-PT" dirty="0"/>
@@ -8907,56 +9165,11 @@
             </a:r>
             <a:r>
               <a:rPr lang="pt-PT" dirty="0" err="1"/>
-              <a:t>device</a:t>
+              <a:t>empty</a:t>
             </a:r>
             <a:r>
               <a:rPr lang="pt-PT" dirty="0"/>
-              <a:t>:</a:t>
-            </a:r>
-            <a:endParaRPr dirty="0"/>
-          </a:p>
-          <a:p>
-            <a:pPr marL="742950" lvl="1" indent="-285750" algn="l" rtl="0">
-              <a:spcBef>
-                <a:spcPts val="0"/>
-              </a:spcBef>
-              <a:spcAft>
-                <a:spcPts val="0"/>
-              </a:spcAft>
-              <a:buClr>
-                <a:srgbClr val="00A2D3"/>
-              </a:buClr>
-              <a:buSzPts val="2400"/>
-              <a:buFont typeface="Corbel"/>
-              <a:buChar char="–"/>
-            </a:pPr>
-            <a:r>
-              <a:rPr lang="pt-PT" dirty="0" err="1"/>
-              <a:t>Control</a:t>
-            </a:r>
-            <a:r>
-              <a:rPr lang="pt-PT" dirty="0"/>
-              <a:t> a network </a:t>
-            </a:r>
-            <a:r>
-              <a:rPr lang="pt-PT" dirty="0" err="1"/>
-              <a:t>of</a:t>
-            </a:r>
-            <a:r>
-              <a:rPr lang="pt-PT" dirty="0"/>
-              <a:t> </a:t>
-            </a:r>
-            <a:r>
-              <a:rPr lang="pt-PT" dirty="0" err="1"/>
-              <a:t>smart</a:t>
-            </a:r>
-            <a:r>
-              <a:rPr lang="pt-PT" dirty="0"/>
-              <a:t> street </a:t>
-            </a:r>
-            <a:r>
-              <a:rPr lang="pt-PT" dirty="0" err="1"/>
-              <a:t>lamps</a:t>
+              <a:t> parking spots</a:t>
             </a:r>
             <a:endParaRPr dirty="0"/>
           </a:p>
@@ -10002,10 +10215,10 @@
       </p:sp>
       <p:pic>
         <p:nvPicPr>
-          <p:cNvPr id="3" name="Imagem 2">
+          <p:cNvPr id="4" name="Imagem 3">
             <a:extLst>
               <a:ext uri="{FF2B5EF4-FFF2-40B4-BE49-F238E27FC236}">
-                <a16:creationId xmlns:a16="http://schemas.microsoft.com/office/drawing/2014/main" id="{8CC7B701-B7C2-42C3-9DD8-3BD68E9513B7}"/>
+                <a16:creationId xmlns:a16="http://schemas.microsoft.com/office/drawing/2014/main" id="{FAC743C7-FA33-44FC-A3AA-512ECAEA4A35}"/>
               </a:ext>
             </a:extLst>
           </p:cNvPr>
@@ -10022,8 +10235,8 @@
         </p:blipFill>
         <p:spPr>
           <a:xfrm>
-            <a:off x="1126836" y="1917190"/>
-            <a:ext cx="8017164" cy="4151101"/>
+            <a:off x="1127394" y="2029446"/>
+            <a:ext cx="8016606" cy="4057318"/>
           </a:xfrm>
           <a:prstGeom prst="rect">
             <a:avLst/>

--- a/project/group9.pptx
+++ b/project/group9.pptx
@@ -5260,7 +5260,7 @@
               <a:t> </a:t>
             </a:r>
             <a:r>
-              <a:rPr lang="pt-PT" sz="4000" b="1" i="1" dirty="0" err="1">
+              <a:rPr lang="pt-PT" sz="4000" b="1" i="1">
                 <a:solidFill>
                   <a:schemeClr val="lt1"/>
                 </a:solidFill>
